--- a/Lectures/14_gui.pptx
+++ b/Lectures/14_gui.pptx
@@ -24386,15 +24386,15 @@
                     <a:lstStyle/>
                     <a:p>
                       <a:r>
-                        <a:rPr lang="en-US" sz="1600"/>
+                        <a:rPr lang="en-US" sz="1600" dirty="0"/>
                         <a:t>AWT components are </a:t>
                       </a:r>
                       <a:r>
-                        <a:rPr lang="en-US" sz="1600" b="1"/>
+                        <a:rPr lang="en-US" sz="1600" b="1" dirty="0"/>
                         <a:t>heavyweight</a:t>
                       </a:r>
                       <a:r>
-                        <a:rPr lang="en-US" sz="1600"/>
+                        <a:rPr lang="en-US" sz="1600" dirty="0"/>
                         <a:t>.</a:t>
                       </a:r>
                     </a:p>
@@ -24905,15 +24905,15 @@
                     <a:lstStyle/>
                     <a:p>
                       <a:r>
-                        <a:rPr lang="en-US" sz="1600"/>
+                        <a:rPr lang="en-US" sz="1600" dirty="0"/>
                         <a:t>AWT </a:t>
                       </a:r>
                       <a:r>
-                        <a:rPr lang="en-US" sz="1600" b="1"/>
+                        <a:rPr lang="en-US" sz="1600" b="1" dirty="0"/>
                         <a:t>doesn't follows MVC</a:t>
                       </a:r>
                       <a:r>
-                        <a:rPr lang="en-US" sz="1600"/>
+                        <a:rPr lang="en-US" sz="1600" dirty="0"/>
                         <a:t>(Model View Controller) where model represents data, view represents presentation and controller acts as an interface between model and view.</a:t>
                       </a:r>
                     </a:p>

--- a/Lectures/14_gui.pptx
+++ b/Lectures/14_gui.pptx
@@ -8114,7 +8114,7 @@
         <p:spPr>
           <a:xfrm>
             <a:off x="299061" y="843557"/>
-            <a:ext cx="3663339" cy="1575793"/>
+            <a:ext cx="3663339" cy="3480793"/>
           </a:xfrm>
         </p:spPr>
         <p:txBody>
